--- a/Churn Prediction.pptx
+++ b/Churn Prediction.pptx
@@ -235,7 +235,7 @@
           <a:p>
             <a:fld id="{4AECD13F-9E93-4C57-A5BD-336347054114}" type="datetimeFigureOut">
               <a:rPr lang="en-US" smtClean="0"/>
-              <a:t>11/4/2022</a:t>
+              <a:t>11/7/2022</a:t>
             </a:fld>
             <a:endParaRPr lang="en-US"/>
           </a:p>
@@ -400,7 +400,7 @@
           <a:p>
             <a:fld id="{621D9606-6FF7-49AF-A412-4D6AB767DFC4}" type="datetimeFigureOut">
               <a:rPr lang="en-US" smtClean="0"/>
-              <a:t>11/4/2022</a:t>
+              <a:t>11/7/2022</a:t>
             </a:fld>
             <a:endParaRPr lang="en-US"/>
           </a:p>
@@ -1314,7 +1314,7 @@
             <a:fld id="{FFF30096-E2FA-4C53-8FFA-C198FACBBC31}" type="datetimeFigureOut">
               <a:rPr lang="en-US" smtClean="0"/>
               <a:pPr/>
-              <a:t>11/4/2022</a:t>
+              <a:t>11/7/2022</a:t>
             </a:fld>
             <a:endParaRPr lang="en-US" dirty="0"/>
           </a:p>
@@ -17309,7 +17309,7 @@
             <a:fld id="{FFF30096-E2FA-4C53-8FFA-C198FACBBC31}" type="datetimeFigureOut">
               <a:rPr lang="en-US" smtClean="0"/>
               <a:pPr/>
-              <a:t>11/4/2022</a:t>
+              <a:t>11/7/2022</a:t>
             </a:fld>
             <a:endParaRPr lang="en-US" dirty="0"/>
           </a:p>
@@ -33668,7 +33668,7 @@
             <a:fld id="{FFF30096-E2FA-4C53-8FFA-C198FACBBC31}" type="datetimeFigureOut">
               <a:rPr lang="en-US" smtClean="0"/>
               <a:pPr/>
-              <a:t>11/4/2022</a:t>
+              <a:t>11/7/2022</a:t>
             </a:fld>
             <a:endParaRPr lang="en-US" dirty="0"/>
           </a:p>
@@ -33925,7 +33925,7 @@
             <a:fld id="{FFF30096-E2FA-4C53-8FFA-C198FACBBC31}" type="datetimeFigureOut">
               <a:rPr lang="en-US" smtClean="0"/>
               <a:pPr/>
-              <a:t>11/4/2022</a:t>
+              <a:t>11/7/2022</a:t>
             </a:fld>
             <a:endParaRPr lang="en-US" dirty="0"/>
           </a:p>
@@ -35766,7 +35766,7 @@
             <a:fld id="{FFF30096-E2FA-4C53-8FFA-C198FACBBC31}" type="datetimeFigureOut">
               <a:rPr lang="en-US" smtClean="0"/>
               <a:pPr/>
-              <a:t>11/4/2022</a:t>
+              <a:t>11/7/2022</a:t>
             </a:fld>
             <a:endParaRPr lang="en-US" dirty="0"/>
           </a:p>
@@ -36141,7 +36141,7 @@
             <a:fld id="{FFF30096-E2FA-4C53-8FFA-C198FACBBC31}" type="datetimeFigureOut">
               <a:rPr lang="en-US" smtClean="0"/>
               <a:pPr/>
-              <a:t>11/4/2022</a:t>
+              <a:t>11/7/2022</a:t>
             </a:fld>
             <a:endParaRPr lang="en-US"/>
           </a:p>
@@ -37807,7 +37807,7 @@
                   <a:schemeClr val="tx2"/>
                 </a:solidFill>
               </a:rPr>
-              <a:t>We are trying to predict whether a customer will churn or not (classify each new customer).</a:t>
+              <a:t>I was trying to predict whether a customer will churn or not (classify each new customer).</a:t>
             </a:r>
           </a:p>
           <a:p>

--- a/Churn Prediction.pptx
+++ b/Churn Prediction.pptx
@@ -235,7 +235,7 @@
           <a:p>
             <a:fld id="{4AECD13F-9E93-4C57-A5BD-336347054114}" type="datetimeFigureOut">
               <a:rPr lang="en-US" smtClean="0"/>
-              <a:t>11/7/2022</a:t>
+              <a:t>11/13/2022</a:t>
             </a:fld>
             <a:endParaRPr lang="en-US"/>
           </a:p>
@@ -400,7 +400,7 @@
           <a:p>
             <a:fld id="{621D9606-6FF7-49AF-A412-4D6AB767DFC4}" type="datetimeFigureOut">
               <a:rPr lang="en-US" smtClean="0"/>
-              <a:t>11/7/2022</a:t>
+              <a:t>11/13/2022</a:t>
             </a:fld>
             <a:endParaRPr lang="en-US"/>
           </a:p>
@@ -1314,7 +1314,7 @@
             <a:fld id="{FFF30096-E2FA-4C53-8FFA-C198FACBBC31}" type="datetimeFigureOut">
               <a:rPr lang="en-US" smtClean="0"/>
               <a:pPr/>
-              <a:t>11/7/2022</a:t>
+              <a:t>11/13/2022</a:t>
             </a:fld>
             <a:endParaRPr lang="en-US" dirty="0"/>
           </a:p>
@@ -17309,7 +17309,7 @@
             <a:fld id="{FFF30096-E2FA-4C53-8FFA-C198FACBBC31}" type="datetimeFigureOut">
               <a:rPr lang="en-US" smtClean="0"/>
               <a:pPr/>
-              <a:t>11/7/2022</a:t>
+              <a:t>11/13/2022</a:t>
             </a:fld>
             <a:endParaRPr lang="en-US" dirty="0"/>
           </a:p>
@@ -33668,7 +33668,7 @@
             <a:fld id="{FFF30096-E2FA-4C53-8FFA-C198FACBBC31}" type="datetimeFigureOut">
               <a:rPr lang="en-US" smtClean="0"/>
               <a:pPr/>
-              <a:t>11/7/2022</a:t>
+              <a:t>11/13/2022</a:t>
             </a:fld>
             <a:endParaRPr lang="en-US" dirty="0"/>
           </a:p>
@@ -33925,7 +33925,7 @@
             <a:fld id="{FFF30096-E2FA-4C53-8FFA-C198FACBBC31}" type="datetimeFigureOut">
               <a:rPr lang="en-US" smtClean="0"/>
               <a:pPr/>
-              <a:t>11/7/2022</a:t>
+              <a:t>11/13/2022</a:t>
             </a:fld>
             <a:endParaRPr lang="en-US" dirty="0"/>
           </a:p>
@@ -35766,7 +35766,7 @@
             <a:fld id="{FFF30096-E2FA-4C53-8FFA-C198FACBBC31}" type="datetimeFigureOut">
               <a:rPr lang="en-US" smtClean="0"/>
               <a:pPr/>
-              <a:t>11/7/2022</a:t>
+              <a:t>11/13/2022</a:t>
             </a:fld>
             <a:endParaRPr lang="en-US" dirty="0"/>
           </a:p>
@@ -36141,7 +36141,7 @@
             <a:fld id="{FFF30096-E2FA-4C53-8FFA-C198FACBBC31}" type="datetimeFigureOut">
               <a:rPr lang="en-US" smtClean="0"/>
               <a:pPr/>
-              <a:t>11/7/2022</a:t>
+              <a:t>11/13/2022</a:t>
             </a:fld>
             <a:endParaRPr lang="en-US"/>
           </a:p>
@@ -36594,7 +36594,7 @@
         <p:spPr>
           <a:xfrm>
             <a:off x="107504" y="4177268"/>
-            <a:ext cx="4248472" cy="369332"/>
+            <a:ext cx="4248472" cy="646331"/>
           </a:xfrm>
           <a:prstGeom prst="rect">
             <a:avLst/>
@@ -36613,12 +36613,33 @@
             </a:r>
             <a:r>
               <a:rPr lang="en-IL" b="1" dirty="0"/>
-              <a:t>- </a:t>
+              <a:t>– </a:t>
             </a:r>
             <a:r>
               <a:rPr lang="en-US" b="1" dirty="0"/>
               <a:t>200866226</a:t>
             </a:r>
+          </a:p>
+          <a:p>
+            <a:r>
+              <a:rPr lang="en-US" sz="1800" b="1">
+                <a:latin typeface="David" panose="020E0502060401010101" pitchFamily="34" charset="-79"/>
+                <a:cs typeface="David" panose="020E0502060401010101" pitchFamily="34" charset="-79"/>
+              </a:rPr>
+              <a:t>Email – </a:t>
+            </a:r>
+            <a:r>
+              <a:rPr lang="en-US" sz="1800" b="1">
+                <a:latin typeface="David" panose="020E0502060401010101" pitchFamily="34" charset="-79"/>
+                <a:cs typeface="David" panose="020E0502060401010101" pitchFamily="34" charset="-79"/>
+                <a:hlinkClick r:id="rId2"/>
+              </a:rPr>
+              <a:t>Avizoor.gal@gmail.com</a:t>
+            </a:r>
+            <a:endParaRPr lang="en-US" sz="1800" b="1">
+              <a:latin typeface="David" panose="020E0502060401010101" pitchFamily="34" charset="-79"/>
+              <a:cs typeface="David" panose="020E0502060401010101" pitchFamily="34" charset="-79"/>
+            </a:endParaRPr>
           </a:p>
         </p:txBody>
       </p:sp>
@@ -36637,7 +36658,7 @@
           <p:nvPr/>
         </p:nvPicPr>
         <p:blipFill>
-          <a:blip r:embed="rId2">
+          <a:blip r:embed="rId3">
             <a:extLst>
               <a:ext uri="{28A0092B-C50C-407E-A947-70E740481C1C}">
                 <a14:useLocalDpi xmlns:a14="http://schemas.microsoft.com/office/drawing/2010/main" val="0"/>

--- a/Churn Prediction.pptx
+++ b/Churn Prediction.pptx
@@ -235,7 +235,7 @@
           <a:p>
             <a:fld id="{4AECD13F-9E93-4C57-A5BD-336347054114}" type="datetimeFigureOut">
               <a:rPr lang="en-US" smtClean="0"/>
-              <a:t>11/13/2022</a:t>
+              <a:t>12/1/2022</a:t>
             </a:fld>
             <a:endParaRPr lang="en-US"/>
           </a:p>
@@ -400,7 +400,7 @@
           <a:p>
             <a:fld id="{621D9606-6FF7-49AF-A412-4D6AB767DFC4}" type="datetimeFigureOut">
               <a:rPr lang="en-US" smtClean="0"/>
-              <a:t>11/13/2022</a:t>
+              <a:t>12/1/2022</a:t>
             </a:fld>
             <a:endParaRPr lang="en-US"/>
           </a:p>
@@ -1314,7 +1314,7 @@
             <a:fld id="{FFF30096-E2FA-4C53-8FFA-C198FACBBC31}" type="datetimeFigureOut">
               <a:rPr lang="en-US" smtClean="0"/>
               <a:pPr/>
-              <a:t>11/13/2022</a:t>
+              <a:t>12/1/2022</a:t>
             </a:fld>
             <a:endParaRPr lang="en-US" dirty="0"/>
           </a:p>
@@ -17309,7 +17309,7 @@
             <a:fld id="{FFF30096-E2FA-4C53-8FFA-C198FACBBC31}" type="datetimeFigureOut">
               <a:rPr lang="en-US" smtClean="0"/>
               <a:pPr/>
-              <a:t>11/13/2022</a:t>
+              <a:t>12/1/2022</a:t>
             </a:fld>
             <a:endParaRPr lang="en-US" dirty="0"/>
           </a:p>
@@ -33668,7 +33668,7 @@
             <a:fld id="{FFF30096-E2FA-4C53-8FFA-C198FACBBC31}" type="datetimeFigureOut">
               <a:rPr lang="en-US" smtClean="0"/>
               <a:pPr/>
-              <a:t>11/13/2022</a:t>
+              <a:t>12/1/2022</a:t>
             </a:fld>
             <a:endParaRPr lang="en-US" dirty="0"/>
           </a:p>
@@ -33925,7 +33925,7 @@
             <a:fld id="{FFF30096-E2FA-4C53-8FFA-C198FACBBC31}" type="datetimeFigureOut">
               <a:rPr lang="en-US" smtClean="0"/>
               <a:pPr/>
-              <a:t>11/13/2022</a:t>
+              <a:t>12/1/2022</a:t>
             </a:fld>
             <a:endParaRPr lang="en-US" dirty="0"/>
           </a:p>
@@ -35766,7 +35766,7 @@
             <a:fld id="{FFF30096-E2FA-4C53-8FFA-C198FACBBC31}" type="datetimeFigureOut">
               <a:rPr lang="en-US" smtClean="0"/>
               <a:pPr/>
-              <a:t>11/13/2022</a:t>
+              <a:t>12/1/2022</a:t>
             </a:fld>
             <a:endParaRPr lang="en-US" dirty="0"/>
           </a:p>
@@ -36141,7 +36141,7 @@
             <a:fld id="{FFF30096-E2FA-4C53-8FFA-C198FACBBC31}" type="datetimeFigureOut">
               <a:rPr lang="en-US" smtClean="0"/>
               <a:pPr/>
-              <a:t>11/13/2022</a:t>
+              <a:t>12/1/2022</a:t>
             </a:fld>
             <a:endParaRPr lang="en-US"/>
           </a:p>
@@ -37828,7 +37828,7 @@
                   <a:schemeClr val="tx2"/>
                 </a:solidFill>
               </a:rPr>
-              <a:t>We are trying to predict whether a customer will churn or not (classify each new customer).</a:t>
+              <a:t>Whether a customer will churn or not (classify each new customer).</a:t>
             </a:r>
           </a:p>
           <a:p>
